--- a/documents/UpdatesPres.pptx
+++ b/documents/UpdatesPres.pptx
@@ -3321,7 +3321,7 @@
             <a:fld id="{B61BEF0D-F0BB-DE4B-95CE-6DB70DBA9567}" type="datetimeFigureOut">
               <a:rPr lang="en-US" dirty="0"/>
               <a:pPr/>
-              <a:t>11/14/2023</a:t>
+              <a:t>11/15/2023</a:t>
             </a:fld>
             <a:endParaRPr lang="en-US" dirty="0"/>
           </a:p>
@@ -3768,7 +3768,7 @@
             <a:fld id="{B61BEF0D-F0BB-DE4B-95CE-6DB70DBA9567}" type="datetimeFigureOut">
               <a:rPr lang="en-US" dirty="0"/>
               <a:pPr/>
-              <a:t>11/14/2023</a:t>
+              <a:t>11/15/2023</a:t>
             </a:fld>
             <a:endParaRPr lang="en-US" dirty="0"/>
           </a:p>
@@ -4029,7 +4029,7 @@
             <a:fld id="{B61BEF0D-F0BB-DE4B-95CE-6DB70DBA9567}" type="datetimeFigureOut">
               <a:rPr lang="en-US" dirty="0"/>
               <a:pPr/>
-              <a:t>11/14/2023</a:t>
+              <a:t>11/15/2023</a:t>
             </a:fld>
             <a:endParaRPr lang="en-US" dirty="0"/>
           </a:p>
@@ -4348,7 +4348,7 @@
             <a:fld id="{B61BEF0D-F0BB-DE4B-95CE-6DB70DBA9567}" type="datetimeFigureOut">
               <a:rPr lang="en-US" dirty="0"/>
               <a:pPr/>
-              <a:t>11/14/2023</a:t>
+              <a:t>11/15/2023</a:t>
             </a:fld>
             <a:endParaRPr lang="en-US" dirty="0"/>
           </a:p>
@@ -4677,7 +4677,7 @@
             <a:fld id="{B61BEF0D-F0BB-DE4B-95CE-6DB70DBA9567}" type="datetimeFigureOut">
               <a:rPr lang="en-US" dirty="0"/>
               <a:pPr/>
-              <a:t>11/14/2023</a:t>
+              <a:t>11/15/2023</a:t>
             </a:fld>
             <a:endParaRPr lang="en-US" dirty="0"/>
           </a:p>
@@ -4990,7 +4990,7 @@
             <a:fld id="{B61BEF0D-F0BB-DE4B-95CE-6DB70DBA9567}" type="datetimeFigureOut">
               <a:rPr lang="en-US" dirty="0"/>
               <a:pPr/>
-              <a:t>11/14/2023</a:t>
+              <a:t>11/15/2023</a:t>
             </a:fld>
             <a:endParaRPr lang="en-US" dirty="0"/>
           </a:p>
@@ -5368,7 +5368,7 @@
             <a:fld id="{B61BEF0D-F0BB-DE4B-95CE-6DB70DBA9567}" type="datetimeFigureOut">
               <a:rPr lang="en-US" dirty="0"/>
               <a:pPr/>
-              <a:t>11/14/2023</a:t>
+              <a:t>11/15/2023</a:t>
             </a:fld>
             <a:endParaRPr lang="en-US" dirty="0"/>
           </a:p>
@@ -5553,7 +5553,7 @@
             <a:fld id="{B61BEF0D-F0BB-DE4B-95CE-6DB70DBA9567}" type="datetimeFigureOut">
               <a:rPr lang="en-US" dirty="0"/>
               <a:pPr/>
-              <a:t>11/14/2023</a:t>
+              <a:t>11/15/2023</a:t>
             </a:fld>
             <a:endParaRPr lang="en-US" dirty="0"/>
           </a:p>
@@ -5744,7 +5744,7 @@
             <a:fld id="{B61BEF0D-F0BB-DE4B-95CE-6DB70DBA9567}" type="datetimeFigureOut">
               <a:rPr lang="en-US" dirty="0"/>
               <a:pPr/>
-              <a:t>11/14/2023</a:t>
+              <a:t>11/15/2023</a:t>
             </a:fld>
             <a:endParaRPr lang="en-US" dirty="0"/>
           </a:p>
@@ -6292,7 +6292,7 @@
             <a:fld id="{B61BEF0D-F0BB-DE4B-95CE-6DB70DBA9567}" type="datetimeFigureOut">
               <a:rPr lang="en-US" dirty="0"/>
               <a:pPr/>
-              <a:t>11/14/2023</a:t>
+              <a:t>11/15/2023</a:t>
             </a:fld>
             <a:endParaRPr lang="en-US" dirty="0"/>
           </a:p>
@@ -6553,7 +6553,7 @@
             <a:fld id="{B61BEF0D-F0BB-DE4B-95CE-6DB70DBA9567}" type="datetimeFigureOut">
               <a:rPr lang="en-US" dirty="0"/>
               <a:pPr/>
-              <a:t>11/14/2023</a:t>
+              <a:t>11/15/2023</a:t>
             </a:fld>
             <a:endParaRPr lang="en-US" dirty="0"/>
           </a:p>
@@ -6800,7 +6800,7 @@
             <a:fld id="{B61BEF0D-F0BB-DE4B-95CE-6DB70DBA9567}" type="datetimeFigureOut">
               <a:rPr lang="en-US" dirty="0"/>
               <a:pPr/>
-              <a:t>11/14/2023</a:t>
+              <a:t>11/15/2023</a:t>
             </a:fld>
             <a:endParaRPr lang="en-US" dirty="0"/>
           </a:p>
@@ -7193,7 +7193,7 @@
             <a:fld id="{B61BEF0D-F0BB-DE4B-95CE-6DB70DBA9567}" type="datetimeFigureOut">
               <a:rPr lang="en-US" dirty="0"/>
               <a:pPr/>
-              <a:t>11/14/2023</a:t>
+              <a:t>11/15/2023</a:t>
             </a:fld>
             <a:endParaRPr lang="en-US" dirty="0"/>
           </a:p>
@@ -7322,7 +7322,7 @@
             <a:fld id="{B61BEF0D-F0BB-DE4B-95CE-6DB70DBA9567}" type="datetimeFigureOut">
               <a:rPr lang="en-US" dirty="0"/>
               <a:pPr/>
-              <a:t>11/14/2023</a:t>
+              <a:t>11/15/2023</a:t>
             </a:fld>
             <a:endParaRPr lang="en-US" dirty="0"/>
           </a:p>
@@ -7428,7 +7428,7 @@
             <a:fld id="{B61BEF0D-F0BB-DE4B-95CE-6DB70DBA9567}" type="datetimeFigureOut">
               <a:rPr lang="en-US" dirty="0"/>
               <a:pPr/>
-              <a:t>11/14/2023</a:t>
+              <a:t>11/15/2023</a:t>
             </a:fld>
             <a:endParaRPr lang="en-US" dirty="0"/>
           </a:p>
@@ -7693,7 +7693,7 @@
             <a:fld id="{B61BEF0D-F0BB-DE4B-95CE-6DB70DBA9567}" type="datetimeFigureOut">
               <a:rPr lang="en-US" dirty="0"/>
               <a:pPr/>
-              <a:t>11/14/2023</a:t>
+              <a:t>11/15/2023</a:t>
             </a:fld>
             <a:endParaRPr lang="en-US" dirty="0"/>
           </a:p>
@@ -7987,7 +7987,7 @@
             <a:fld id="{B61BEF0D-F0BB-DE4B-95CE-6DB70DBA9567}" type="datetimeFigureOut">
               <a:rPr lang="en-US" dirty="0"/>
               <a:pPr/>
-              <a:t>11/14/2023</a:t>
+              <a:t>11/15/2023</a:t>
             </a:fld>
             <a:endParaRPr lang="en-US" dirty="0"/>
           </a:p>
@@ -8412,7 +8412,7 @@
             <a:fld id="{B61BEF0D-F0BB-DE4B-95CE-6DB70DBA9567}" type="datetimeFigureOut">
               <a:rPr lang="en-US" dirty="0"/>
               <a:pPr/>
-              <a:t>11/14/2023</a:t>
+              <a:t>11/15/2023</a:t>
             </a:fld>
             <a:endParaRPr lang="en-US" dirty="0"/>
           </a:p>
@@ -12382,98 +12382,6 @@
   <p:clrMapOvr>
     <a:masterClrMapping/>
   </p:clrMapOvr>
-  <p:timing>
-    <p:tnLst>
-      <p:par>
-        <p:cTn id="1" dur="indefinite" restart="never" nodeType="tmRoot">
-          <p:childTnLst>
-            <p:seq concurrent="1" nextAc="seek">
-              <p:cTn id="2" dur="indefinite" nodeType="mainSeq">
-                <p:childTnLst>
-                  <p:par>
-                    <p:cTn id="3" fill="hold">
-                      <p:stCondLst>
-                        <p:cond delay="indefinite"/>
-                        <p:cond evt="onBegin" delay="0">
-                          <p:tn val="2"/>
-                        </p:cond>
-                      </p:stCondLst>
-                      <p:childTnLst>
-                        <p:par>
-                          <p:cTn id="4" fill="hold">
-                            <p:stCondLst>
-                              <p:cond delay="0"/>
-                            </p:stCondLst>
-                            <p:childTnLst>
-                              <p:par>
-                                <p:cTn id="5" presetID="10" presetClass="entr" presetSubtype="0" fill="hold" grpId="0" nodeType="withEffect">
-                                  <p:stCondLst>
-                                    <p:cond delay="1000"/>
-                                  </p:stCondLst>
-                                  <p:iterate>
-                                    <p:tmPct val="10000"/>
-                                  </p:iterate>
-                                  <p:childTnLst>
-                                    <p:set>
-                                      <p:cBhvr>
-                                        <p:cTn id="6" dur="1" fill="hold">
-                                          <p:stCondLst>
-                                            <p:cond delay="0"/>
-                                          </p:stCondLst>
-                                        </p:cTn>
-                                        <p:tgtEl>
-                                          <p:spTgt spid="147"/>
-                                        </p:tgtEl>
-                                        <p:attrNameLst>
-                                          <p:attrName>style.visibility</p:attrName>
-                                        </p:attrNameLst>
-                                      </p:cBhvr>
-                                      <p:to>
-                                        <p:strVal val="visible"/>
-                                      </p:to>
-                                    </p:set>
-                                    <p:animEffect transition="in" filter="fade">
-                                      <p:cBhvr>
-                                        <p:cTn id="7" dur="700"/>
-                                        <p:tgtEl>
-                                          <p:spTgt spid="147"/>
-                                        </p:tgtEl>
-                                      </p:cBhvr>
-                                    </p:animEffect>
-                                  </p:childTnLst>
-                                </p:cTn>
-                              </p:par>
-                            </p:childTnLst>
-                          </p:cTn>
-                        </p:par>
-                      </p:childTnLst>
-                    </p:cTn>
-                  </p:par>
-                </p:childTnLst>
-              </p:cTn>
-              <p:prevCondLst>
-                <p:cond evt="onPrev" delay="0">
-                  <p:tgtEl>
-                    <p:sldTgt/>
-                  </p:tgtEl>
-                </p:cond>
-              </p:prevCondLst>
-              <p:nextCondLst>
-                <p:cond evt="onNext" delay="0">
-                  <p:tgtEl>
-                    <p:sldTgt/>
-                  </p:tgtEl>
-                </p:cond>
-              </p:nextCondLst>
-            </p:seq>
-          </p:childTnLst>
-        </p:cTn>
-      </p:par>
-    </p:tnLst>
-    <p:bldLst>
-      <p:bldP spid="147" grpId="0"/>
-    </p:bldLst>
-  </p:timing>
 </p:sld>
 </file>
 
@@ -13536,98 +13444,6 @@
   <p:clrMapOvr>
     <a:masterClrMapping/>
   </p:clrMapOvr>
-  <p:timing>
-    <p:tnLst>
-      <p:par>
-        <p:cTn id="1" dur="indefinite" restart="never" nodeType="tmRoot">
-          <p:childTnLst>
-            <p:seq concurrent="1" nextAc="seek">
-              <p:cTn id="2" dur="indefinite" nodeType="mainSeq">
-                <p:childTnLst>
-                  <p:par>
-                    <p:cTn id="3" fill="hold">
-                      <p:stCondLst>
-                        <p:cond delay="indefinite"/>
-                        <p:cond evt="onBegin" delay="0">
-                          <p:tn val="2"/>
-                        </p:cond>
-                      </p:stCondLst>
-                      <p:childTnLst>
-                        <p:par>
-                          <p:cTn id="4" fill="hold">
-                            <p:stCondLst>
-                              <p:cond delay="0"/>
-                            </p:stCondLst>
-                            <p:childTnLst>
-                              <p:par>
-                                <p:cTn id="5" presetID="10" presetClass="entr" presetSubtype="0" fill="hold" grpId="0" nodeType="withEffect">
-                                  <p:stCondLst>
-                                    <p:cond delay="1000"/>
-                                  </p:stCondLst>
-                                  <p:iterate>
-                                    <p:tmPct val="10000"/>
-                                  </p:iterate>
-                                  <p:childTnLst>
-                                    <p:set>
-                                      <p:cBhvr>
-                                        <p:cTn id="6" dur="1" fill="hold">
-                                          <p:stCondLst>
-                                            <p:cond delay="0"/>
-                                          </p:stCondLst>
-                                        </p:cTn>
-                                        <p:tgtEl>
-                                          <p:spTgt spid="147"/>
-                                        </p:tgtEl>
-                                        <p:attrNameLst>
-                                          <p:attrName>style.visibility</p:attrName>
-                                        </p:attrNameLst>
-                                      </p:cBhvr>
-                                      <p:to>
-                                        <p:strVal val="visible"/>
-                                      </p:to>
-                                    </p:set>
-                                    <p:animEffect transition="in" filter="fade">
-                                      <p:cBhvr>
-                                        <p:cTn id="7" dur="700"/>
-                                        <p:tgtEl>
-                                          <p:spTgt spid="147"/>
-                                        </p:tgtEl>
-                                      </p:cBhvr>
-                                    </p:animEffect>
-                                  </p:childTnLst>
-                                </p:cTn>
-                              </p:par>
-                            </p:childTnLst>
-                          </p:cTn>
-                        </p:par>
-                      </p:childTnLst>
-                    </p:cTn>
-                  </p:par>
-                </p:childTnLst>
-              </p:cTn>
-              <p:prevCondLst>
-                <p:cond evt="onPrev" delay="0">
-                  <p:tgtEl>
-                    <p:sldTgt/>
-                  </p:tgtEl>
-                </p:cond>
-              </p:prevCondLst>
-              <p:nextCondLst>
-                <p:cond evt="onNext" delay="0">
-                  <p:tgtEl>
-                    <p:sldTgt/>
-                  </p:tgtEl>
-                </p:cond>
-              </p:nextCondLst>
-            </p:seq>
-          </p:childTnLst>
-        </p:cTn>
-      </p:par>
-    </p:tnLst>
-    <p:bldLst>
-      <p:bldP spid="147" grpId="0"/>
-    </p:bldLst>
-  </p:timing>
 </p:sld>
 </file>
 
@@ -14706,98 +14522,6 @@
   <p:clrMapOvr>
     <a:masterClrMapping/>
   </p:clrMapOvr>
-  <p:timing>
-    <p:tnLst>
-      <p:par>
-        <p:cTn id="1" dur="indefinite" restart="never" nodeType="tmRoot">
-          <p:childTnLst>
-            <p:seq concurrent="1" nextAc="seek">
-              <p:cTn id="2" dur="indefinite" nodeType="mainSeq">
-                <p:childTnLst>
-                  <p:par>
-                    <p:cTn id="3" fill="hold">
-                      <p:stCondLst>
-                        <p:cond delay="indefinite"/>
-                        <p:cond evt="onBegin" delay="0">
-                          <p:tn val="2"/>
-                        </p:cond>
-                      </p:stCondLst>
-                      <p:childTnLst>
-                        <p:par>
-                          <p:cTn id="4" fill="hold">
-                            <p:stCondLst>
-                              <p:cond delay="0"/>
-                            </p:stCondLst>
-                            <p:childTnLst>
-                              <p:par>
-                                <p:cTn id="5" presetID="10" presetClass="entr" presetSubtype="0" fill="hold" grpId="0" nodeType="withEffect">
-                                  <p:stCondLst>
-                                    <p:cond delay="1000"/>
-                                  </p:stCondLst>
-                                  <p:iterate>
-                                    <p:tmPct val="10000"/>
-                                  </p:iterate>
-                                  <p:childTnLst>
-                                    <p:set>
-                                      <p:cBhvr>
-                                        <p:cTn id="6" dur="1" fill="hold">
-                                          <p:stCondLst>
-                                            <p:cond delay="0"/>
-                                          </p:stCondLst>
-                                        </p:cTn>
-                                        <p:tgtEl>
-                                          <p:spTgt spid="147"/>
-                                        </p:tgtEl>
-                                        <p:attrNameLst>
-                                          <p:attrName>style.visibility</p:attrName>
-                                        </p:attrNameLst>
-                                      </p:cBhvr>
-                                      <p:to>
-                                        <p:strVal val="visible"/>
-                                      </p:to>
-                                    </p:set>
-                                    <p:animEffect transition="in" filter="fade">
-                                      <p:cBhvr>
-                                        <p:cTn id="7" dur="700"/>
-                                        <p:tgtEl>
-                                          <p:spTgt spid="147"/>
-                                        </p:tgtEl>
-                                      </p:cBhvr>
-                                    </p:animEffect>
-                                  </p:childTnLst>
-                                </p:cTn>
-                              </p:par>
-                            </p:childTnLst>
-                          </p:cTn>
-                        </p:par>
-                      </p:childTnLst>
-                    </p:cTn>
-                  </p:par>
-                </p:childTnLst>
-              </p:cTn>
-              <p:prevCondLst>
-                <p:cond evt="onPrev" delay="0">
-                  <p:tgtEl>
-                    <p:sldTgt/>
-                  </p:tgtEl>
-                </p:cond>
-              </p:prevCondLst>
-              <p:nextCondLst>
-                <p:cond evt="onNext" delay="0">
-                  <p:tgtEl>
-                    <p:sldTgt/>
-                  </p:tgtEl>
-                </p:cond>
-              </p:nextCondLst>
-            </p:seq>
-          </p:childTnLst>
-        </p:cTn>
-      </p:par>
-    </p:tnLst>
-    <p:bldLst>
-      <p:bldP spid="147" grpId="0"/>
-    </p:bldLst>
-  </p:timing>
 </p:sld>
 </file>
 
@@ -15855,98 +15579,6 @@
   <p:clrMapOvr>
     <a:masterClrMapping/>
   </p:clrMapOvr>
-  <p:timing>
-    <p:tnLst>
-      <p:par>
-        <p:cTn id="1" dur="indefinite" restart="never" nodeType="tmRoot">
-          <p:childTnLst>
-            <p:seq concurrent="1" nextAc="seek">
-              <p:cTn id="2" dur="indefinite" nodeType="mainSeq">
-                <p:childTnLst>
-                  <p:par>
-                    <p:cTn id="3" fill="hold">
-                      <p:stCondLst>
-                        <p:cond delay="indefinite"/>
-                        <p:cond evt="onBegin" delay="0">
-                          <p:tn val="2"/>
-                        </p:cond>
-                      </p:stCondLst>
-                      <p:childTnLst>
-                        <p:par>
-                          <p:cTn id="4" fill="hold">
-                            <p:stCondLst>
-                              <p:cond delay="0"/>
-                            </p:stCondLst>
-                            <p:childTnLst>
-                              <p:par>
-                                <p:cTn id="5" presetID="10" presetClass="entr" presetSubtype="0" fill="hold" grpId="0" nodeType="withEffect">
-                                  <p:stCondLst>
-                                    <p:cond delay="1000"/>
-                                  </p:stCondLst>
-                                  <p:iterate>
-                                    <p:tmPct val="10000"/>
-                                  </p:iterate>
-                                  <p:childTnLst>
-                                    <p:set>
-                                      <p:cBhvr>
-                                        <p:cTn id="6" dur="1" fill="hold">
-                                          <p:stCondLst>
-                                            <p:cond delay="0"/>
-                                          </p:stCondLst>
-                                        </p:cTn>
-                                        <p:tgtEl>
-                                          <p:spTgt spid="147"/>
-                                        </p:tgtEl>
-                                        <p:attrNameLst>
-                                          <p:attrName>style.visibility</p:attrName>
-                                        </p:attrNameLst>
-                                      </p:cBhvr>
-                                      <p:to>
-                                        <p:strVal val="visible"/>
-                                      </p:to>
-                                    </p:set>
-                                    <p:animEffect transition="in" filter="fade">
-                                      <p:cBhvr>
-                                        <p:cTn id="7" dur="700"/>
-                                        <p:tgtEl>
-                                          <p:spTgt spid="147"/>
-                                        </p:tgtEl>
-                                      </p:cBhvr>
-                                    </p:animEffect>
-                                  </p:childTnLst>
-                                </p:cTn>
-                              </p:par>
-                            </p:childTnLst>
-                          </p:cTn>
-                        </p:par>
-                      </p:childTnLst>
-                    </p:cTn>
-                  </p:par>
-                </p:childTnLst>
-              </p:cTn>
-              <p:prevCondLst>
-                <p:cond evt="onPrev" delay="0">
-                  <p:tgtEl>
-                    <p:sldTgt/>
-                  </p:tgtEl>
-                </p:cond>
-              </p:prevCondLst>
-              <p:nextCondLst>
-                <p:cond evt="onNext" delay="0">
-                  <p:tgtEl>
-                    <p:sldTgt/>
-                  </p:tgtEl>
-                </p:cond>
-              </p:nextCondLst>
-            </p:seq>
-          </p:childTnLst>
-        </p:cTn>
-      </p:par>
-    </p:tnLst>
-    <p:bldLst>
-      <p:bldP spid="147" grpId="0"/>
-    </p:bldLst>
-  </p:timing>
 </p:sld>
 </file>
 
@@ -16724,98 +16356,6 @@
   <p:clrMapOvr>
     <a:masterClrMapping/>
   </p:clrMapOvr>
-  <p:timing>
-    <p:tnLst>
-      <p:par>
-        <p:cTn id="1" dur="indefinite" restart="never" nodeType="tmRoot">
-          <p:childTnLst>
-            <p:seq concurrent="1" nextAc="seek">
-              <p:cTn id="2" dur="indefinite" nodeType="mainSeq">
-                <p:childTnLst>
-                  <p:par>
-                    <p:cTn id="3" fill="hold">
-                      <p:stCondLst>
-                        <p:cond delay="indefinite"/>
-                        <p:cond evt="onBegin" delay="0">
-                          <p:tn val="2"/>
-                        </p:cond>
-                      </p:stCondLst>
-                      <p:childTnLst>
-                        <p:par>
-                          <p:cTn id="4" fill="hold">
-                            <p:stCondLst>
-                              <p:cond delay="0"/>
-                            </p:stCondLst>
-                            <p:childTnLst>
-                              <p:par>
-                                <p:cTn id="5" presetID="10" presetClass="entr" presetSubtype="0" fill="hold" grpId="0" nodeType="withEffect">
-                                  <p:stCondLst>
-                                    <p:cond delay="1000"/>
-                                  </p:stCondLst>
-                                  <p:iterate>
-                                    <p:tmPct val="10000"/>
-                                  </p:iterate>
-                                  <p:childTnLst>
-                                    <p:set>
-                                      <p:cBhvr>
-                                        <p:cTn id="6" dur="1" fill="hold">
-                                          <p:stCondLst>
-                                            <p:cond delay="0"/>
-                                          </p:stCondLst>
-                                        </p:cTn>
-                                        <p:tgtEl>
-                                          <p:spTgt spid="147"/>
-                                        </p:tgtEl>
-                                        <p:attrNameLst>
-                                          <p:attrName>style.visibility</p:attrName>
-                                        </p:attrNameLst>
-                                      </p:cBhvr>
-                                      <p:to>
-                                        <p:strVal val="visible"/>
-                                      </p:to>
-                                    </p:set>
-                                    <p:animEffect transition="in" filter="fade">
-                                      <p:cBhvr>
-                                        <p:cTn id="7" dur="700"/>
-                                        <p:tgtEl>
-                                          <p:spTgt spid="147"/>
-                                        </p:tgtEl>
-                                      </p:cBhvr>
-                                    </p:animEffect>
-                                  </p:childTnLst>
-                                </p:cTn>
-                              </p:par>
-                            </p:childTnLst>
-                          </p:cTn>
-                        </p:par>
-                      </p:childTnLst>
-                    </p:cTn>
-                  </p:par>
-                </p:childTnLst>
-              </p:cTn>
-              <p:prevCondLst>
-                <p:cond evt="onPrev" delay="0">
-                  <p:tgtEl>
-                    <p:sldTgt/>
-                  </p:tgtEl>
-                </p:cond>
-              </p:prevCondLst>
-              <p:nextCondLst>
-                <p:cond evt="onNext" delay="0">
-                  <p:tgtEl>
-                    <p:sldTgt/>
-                  </p:tgtEl>
-                </p:cond>
-              </p:nextCondLst>
-            </p:seq>
-          </p:childTnLst>
-        </p:cTn>
-      </p:par>
-    </p:tnLst>
-    <p:bldLst>
-      <p:bldP spid="147" grpId="0"/>
-    </p:bldLst>
-  </p:timing>
 </p:sld>
 </file>
 
@@ -18169,98 +17709,6 @@
   <p:clrMapOvr>
     <a:masterClrMapping/>
   </p:clrMapOvr>
-  <p:timing>
-    <p:tnLst>
-      <p:par>
-        <p:cTn id="1" dur="indefinite" restart="never" nodeType="tmRoot">
-          <p:childTnLst>
-            <p:seq concurrent="1" nextAc="seek">
-              <p:cTn id="2" dur="indefinite" nodeType="mainSeq">
-                <p:childTnLst>
-                  <p:par>
-                    <p:cTn id="3" fill="hold">
-                      <p:stCondLst>
-                        <p:cond delay="indefinite"/>
-                        <p:cond evt="onBegin" delay="0">
-                          <p:tn val="2"/>
-                        </p:cond>
-                      </p:stCondLst>
-                      <p:childTnLst>
-                        <p:par>
-                          <p:cTn id="4" fill="hold">
-                            <p:stCondLst>
-                              <p:cond delay="0"/>
-                            </p:stCondLst>
-                            <p:childTnLst>
-                              <p:par>
-                                <p:cTn id="5" presetID="10" presetClass="entr" presetSubtype="0" fill="hold" grpId="0" nodeType="withEffect">
-                                  <p:stCondLst>
-                                    <p:cond delay="1000"/>
-                                  </p:stCondLst>
-                                  <p:iterate>
-                                    <p:tmPct val="10000"/>
-                                  </p:iterate>
-                                  <p:childTnLst>
-                                    <p:set>
-                                      <p:cBhvr>
-                                        <p:cTn id="6" dur="1" fill="hold">
-                                          <p:stCondLst>
-                                            <p:cond delay="0"/>
-                                          </p:stCondLst>
-                                        </p:cTn>
-                                        <p:tgtEl>
-                                          <p:spTgt spid="147"/>
-                                        </p:tgtEl>
-                                        <p:attrNameLst>
-                                          <p:attrName>style.visibility</p:attrName>
-                                        </p:attrNameLst>
-                                      </p:cBhvr>
-                                      <p:to>
-                                        <p:strVal val="visible"/>
-                                      </p:to>
-                                    </p:set>
-                                    <p:animEffect transition="in" filter="fade">
-                                      <p:cBhvr>
-                                        <p:cTn id="7" dur="700"/>
-                                        <p:tgtEl>
-                                          <p:spTgt spid="147"/>
-                                        </p:tgtEl>
-                                      </p:cBhvr>
-                                    </p:animEffect>
-                                  </p:childTnLst>
-                                </p:cTn>
-                              </p:par>
-                            </p:childTnLst>
-                          </p:cTn>
-                        </p:par>
-                      </p:childTnLst>
-                    </p:cTn>
-                  </p:par>
-                </p:childTnLst>
-              </p:cTn>
-              <p:prevCondLst>
-                <p:cond evt="onPrev" delay="0">
-                  <p:tgtEl>
-                    <p:sldTgt/>
-                  </p:tgtEl>
-                </p:cond>
-              </p:prevCondLst>
-              <p:nextCondLst>
-                <p:cond evt="onNext" delay="0">
-                  <p:tgtEl>
-                    <p:sldTgt/>
-                  </p:tgtEl>
-                </p:cond>
-              </p:nextCondLst>
-            </p:seq>
-          </p:childTnLst>
-        </p:cTn>
-      </p:par>
-    </p:tnLst>
-    <p:bldLst>
-      <p:bldP spid="147" grpId="0"/>
-    </p:bldLst>
-  </p:timing>
 </p:sld>
 </file>
 
@@ -18769,7 +18217,7 @@
               <a:buChar char=""/>
             </a:pPr>
             <a:r>
-              <a:rPr lang="en-US">
+              <a:rPr lang="en-US" dirty="0">
                 <a:solidFill>
                   <a:schemeClr val="tx1"/>
                 </a:solidFill>
@@ -18790,7 +18238,7 @@
               <a:buChar char=""/>
             </a:pPr>
             <a:r>
-              <a:rPr lang="en-US">
+              <a:rPr lang="en-US" dirty="0">
                 <a:solidFill>
                   <a:schemeClr val="tx1"/>
                 </a:solidFill>
@@ -18811,7 +18259,7 @@
               <a:buChar char=""/>
             </a:pPr>
             <a:r>
-              <a:rPr lang="en-US">
+              <a:rPr lang="en-US" dirty="0">
                 <a:solidFill>
                   <a:schemeClr val="tx1"/>
                 </a:solidFill>
@@ -18832,7 +18280,7 @@
               <a:buChar char=""/>
             </a:pPr>
             <a:r>
-              <a:rPr lang="en-US">
+              <a:rPr lang="en-US" dirty="0">
                 <a:solidFill>
                   <a:schemeClr val="tx1"/>
                 </a:solidFill>
@@ -18853,7 +18301,7 @@
               <a:buChar char=""/>
             </a:pPr>
             <a:r>
-              <a:rPr lang="en-US">
+              <a:rPr lang="en-US" dirty="0">
                 <a:solidFill>
                   <a:schemeClr val="tx1"/>
                 </a:solidFill>
@@ -18874,7 +18322,7 @@
               <a:buChar char=""/>
             </a:pPr>
             <a:r>
-              <a:rPr lang="en-US">
+              <a:rPr lang="en-US" dirty="0">
                 <a:solidFill>
                   <a:schemeClr val="tx1"/>
                 </a:solidFill>
@@ -18895,7 +18343,7 @@
               <a:buChar char=""/>
             </a:pPr>
             <a:r>
-              <a:rPr lang="en-US">
+              <a:rPr lang="en-US" dirty="0">
                 <a:solidFill>
                   <a:schemeClr val="tx1"/>
                 </a:solidFill>
@@ -18915,7 +18363,7 @@
               <a:buFont typeface="Wingdings 3" panose="05040102010807070707" pitchFamily="18" charset="2"/>
               <a:buChar char=""/>
             </a:pPr>
-            <a:endParaRPr lang="en-US">
+            <a:endParaRPr lang="en-US" dirty="0">
               <a:solidFill>
                 <a:schemeClr val="tx1"/>
               </a:solidFill>
@@ -19441,7 +18889,6 @@
               <a:rPr lang="en-US" dirty="0"/>
               <a:t>OpenAI token limit</a:t>
             </a:r>
-            <a:endParaRPr lang="en-US"/>
           </a:p>
         </p:txBody>
       </p:sp>
@@ -19450,98 +18897,6 @@
   <p:clrMapOvr>
     <a:masterClrMapping/>
   </p:clrMapOvr>
-  <p:timing>
-    <p:tnLst>
-      <p:par>
-        <p:cTn id="1" dur="indefinite" restart="never" nodeType="tmRoot">
-          <p:childTnLst>
-            <p:seq concurrent="1" nextAc="seek">
-              <p:cTn id="2" dur="indefinite" nodeType="mainSeq">
-                <p:childTnLst>
-                  <p:par>
-                    <p:cTn id="3" fill="hold">
-                      <p:stCondLst>
-                        <p:cond delay="indefinite"/>
-                        <p:cond evt="onBegin" delay="0">
-                          <p:tn val="2"/>
-                        </p:cond>
-                      </p:stCondLst>
-                      <p:childTnLst>
-                        <p:par>
-                          <p:cTn id="4" fill="hold">
-                            <p:stCondLst>
-                              <p:cond delay="0"/>
-                            </p:stCondLst>
-                            <p:childTnLst>
-                              <p:par>
-                                <p:cTn id="5" presetID="10" presetClass="entr" presetSubtype="0" fill="hold" grpId="0" nodeType="withEffect">
-                                  <p:stCondLst>
-                                    <p:cond delay="500"/>
-                                  </p:stCondLst>
-                                  <p:iterate>
-                                    <p:tmPct val="10000"/>
-                                  </p:iterate>
-                                  <p:childTnLst>
-                                    <p:set>
-                                      <p:cBhvr>
-                                        <p:cTn id="6" dur="1" fill="hold">
-                                          <p:stCondLst>
-                                            <p:cond delay="0"/>
-                                          </p:stCondLst>
-                                        </p:cTn>
-                                        <p:tgtEl>
-                                          <p:spTgt spid="199"/>
-                                        </p:tgtEl>
-                                        <p:attrNameLst>
-                                          <p:attrName>style.visibility</p:attrName>
-                                        </p:attrNameLst>
-                                      </p:cBhvr>
-                                      <p:to>
-                                        <p:strVal val="visible"/>
-                                      </p:to>
-                                    </p:set>
-                                    <p:animEffect transition="in" filter="fade">
-                                      <p:cBhvr>
-                                        <p:cTn id="7" dur="700"/>
-                                        <p:tgtEl>
-                                          <p:spTgt spid="199"/>
-                                        </p:tgtEl>
-                                      </p:cBhvr>
-                                    </p:animEffect>
-                                  </p:childTnLst>
-                                </p:cTn>
-                              </p:par>
-                            </p:childTnLst>
-                          </p:cTn>
-                        </p:par>
-                      </p:childTnLst>
-                    </p:cTn>
-                  </p:par>
-                </p:childTnLst>
-              </p:cTn>
-              <p:prevCondLst>
-                <p:cond evt="onPrev" delay="0">
-                  <p:tgtEl>
-                    <p:sldTgt/>
-                  </p:tgtEl>
-                </p:cond>
-              </p:prevCondLst>
-              <p:nextCondLst>
-                <p:cond evt="onNext" delay="0">
-                  <p:tgtEl>
-                    <p:sldTgt/>
-                  </p:tgtEl>
-                </p:cond>
-              </p:nextCondLst>
-            </p:seq>
-          </p:childTnLst>
-        </p:cTn>
-      </p:par>
-    </p:tnLst>
-    <p:bldLst>
-      <p:bldP spid="199" grpId="0"/>
-    </p:bldLst>
-  </p:timing>
 </p:sld>
 </file>
 
@@ -20055,7 +19410,6 @@
               <a:rPr lang="en-US" dirty="0"/>
               <a:t>Omitted Political Spectrum component</a:t>
             </a:r>
-            <a:endParaRPr lang="en-US"/>
           </a:p>
         </p:txBody>
       </p:sp>
@@ -20577,7 +19931,6 @@
               <a:rPr lang="en-US" dirty="0"/>
               <a:t>Questions?</a:t>
             </a:r>
-            <a:endParaRPr lang="en-US"/>
           </a:p>
         </p:txBody>
       </p:sp>
@@ -20982,7 +20335,7 @@
               </a:spcAft>
             </a:pPr>
             <a:r>
-              <a:rPr lang="en-US" sz="3900"/>
+              <a:rPr lang="en-US" sz="3900" dirty="0"/>
               <a:t>Frontend Overview</a:t>
             </a:r>
           </a:p>
@@ -21091,7 +20444,7 @@
               <a:buChar char=""/>
             </a:pPr>
             <a:r>
-              <a:rPr lang="en-US">
+              <a:rPr lang="en-US" dirty="0">
                 <a:solidFill>
                   <a:schemeClr val="tx1"/>
                 </a:solidFill>
@@ -21112,7 +20465,7 @@
               <a:buChar char=""/>
             </a:pPr>
             <a:r>
-              <a:rPr lang="en-US">
+              <a:rPr lang="en-US" dirty="0">
                 <a:solidFill>
                   <a:schemeClr val="tx1"/>
                 </a:solidFill>
@@ -21133,7 +20486,7 @@
               <a:buChar char=""/>
             </a:pPr>
             <a:r>
-              <a:rPr lang="en-US">
+              <a:rPr lang="en-US" dirty="0">
                 <a:solidFill>
                   <a:schemeClr val="tx1"/>
                 </a:solidFill>
@@ -21154,12 +20507,28 @@
               <a:buChar char=""/>
             </a:pPr>
             <a:r>
-              <a:rPr lang="en-US">
+              <a:rPr lang="en-US" dirty="0">
                 <a:solidFill>
                   <a:schemeClr val="tx1"/>
                 </a:solidFill>
               </a:rPr>
-              <a:t>Login/Register: Firebase Auth tie with Firestore User Database</a:t>
+              <a:t>Login/Register: Firebase Auth tie with </a:t>
+            </a:r>
+            <a:r>
+              <a:rPr lang="en-US" dirty="0" err="1">
+                <a:solidFill>
+                  <a:schemeClr val="tx1"/>
+                </a:solidFill>
+              </a:rPr>
+              <a:t>Firestore</a:t>
+            </a:r>
+            <a:r>
+              <a:rPr lang="en-US" dirty="0">
+                <a:solidFill>
+                  <a:schemeClr val="tx1"/>
+                </a:solidFill>
+              </a:rPr>
+              <a:t> User Database</a:t>
             </a:r>
           </a:p>
           <a:p>
@@ -21175,13 +20544,26 @@
               <a:buChar char=""/>
             </a:pPr>
             <a:r>
-              <a:rPr lang="en-US">
+              <a:rPr lang="en-US" dirty="0">
                 <a:solidFill>
                   <a:schemeClr val="tx1"/>
                 </a:solidFill>
               </a:rPr>
-              <a:t>Context Creation for useAuth</a:t>
+              <a:t>Context Creation for </a:t>
             </a:r>
+            <a:r>
+              <a:rPr lang="en-US" dirty="0" err="1">
+                <a:solidFill>
+                  <a:schemeClr val="tx1"/>
+                </a:solidFill>
+              </a:rPr>
+              <a:t>useAuth</a:t>
+            </a:r>
+            <a:endParaRPr lang="en-US" dirty="0">
+              <a:solidFill>
+                <a:schemeClr val="tx1"/>
+              </a:solidFill>
+            </a:endParaRPr>
           </a:p>
         </p:txBody>
       </p:sp>
@@ -22149,7 +21531,7 @@
         </p:blipFill>
         <p:spPr>
           <a:xfrm>
-            <a:off x="599304" y="589587"/>
+            <a:off x="584556" y="574625"/>
             <a:ext cx="4684014" cy="3717036"/>
           </a:xfrm>
           <a:custGeom>
@@ -23017,7 +22399,7 @@
               <a:buChar char=""/>
             </a:pPr>
             <a:r>
-              <a:rPr lang="en-US" sz="1200">
+              <a:rPr lang="en-US" sz="1200" dirty="0">
                 <a:solidFill>
                   <a:schemeClr val="tx1"/>
                 </a:solidFill>
@@ -23025,13 +22407,13 @@
               <a:t>Improve user profile to delete accounts, and collect more user information</a:t>
             </a:r>
             <a:br>
-              <a:rPr lang="en-US" sz="1200">
+              <a:rPr lang="en-US" sz="1200" dirty="0">
                 <a:solidFill>
                   <a:schemeClr val="tx1"/>
                 </a:solidFill>
               </a:rPr>
             </a:br>
-            <a:endParaRPr lang="en-US" sz="1200">
+            <a:endParaRPr lang="en-US" sz="1200" dirty="0">
               <a:solidFill>
                 <a:schemeClr val="tx1"/>
               </a:solidFill>
@@ -23053,7 +22435,7 @@
               <a:buChar char=""/>
             </a:pPr>
             <a:r>
-              <a:rPr lang="en-US" sz="1200">
+              <a:rPr lang="en-US" sz="1200" dirty="0">
                 <a:solidFill>
                   <a:schemeClr val="tx1"/>
                 </a:solidFill>
@@ -23061,13 +22443,13 @@
               <a:t>Finish Senate pages functionality</a:t>
             </a:r>
             <a:br>
-              <a:rPr lang="en-US" sz="1200">
+              <a:rPr lang="en-US" sz="1200" dirty="0">
                 <a:solidFill>
                   <a:schemeClr val="tx1"/>
                 </a:solidFill>
               </a:rPr>
             </a:br>
-            <a:endParaRPr lang="en-US" sz="1200">
+            <a:endParaRPr lang="en-US" sz="1200" dirty="0">
               <a:solidFill>
                 <a:schemeClr val="tx1"/>
               </a:solidFill>
@@ -23089,7 +22471,7 @@
               <a:buChar char=""/>
             </a:pPr>
             <a:r>
-              <a:rPr lang="en-US" sz="1200">
+              <a:rPr lang="en-US" sz="1200" dirty="0">
                 <a:solidFill>
                   <a:schemeClr val="tx1"/>
                 </a:solidFill>
@@ -23097,13 +22479,13 @@
               <a:t>Implement recent news and personal statements</a:t>
             </a:r>
             <a:br>
-              <a:rPr lang="en-US" sz="1200">
+              <a:rPr lang="en-US" sz="1200" dirty="0">
                 <a:solidFill>
                   <a:schemeClr val="tx1"/>
                 </a:solidFill>
               </a:rPr>
             </a:br>
-            <a:endParaRPr lang="en-US" sz="1200">
+            <a:endParaRPr lang="en-US" sz="1200" dirty="0">
               <a:solidFill>
                 <a:schemeClr val="tx1"/>
               </a:solidFill>
@@ -23125,7 +22507,7 @@
               <a:buChar char=""/>
             </a:pPr>
             <a:r>
-              <a:rPr lang="en-US" sz="1200">
+              <a:rPr lang="en-US" sz="1200" dirty="0">
                 <a:solidFill>
                   <a:schemeClr val="tx1"/>
                 </a:solidFill>
@@ -23133,13 +22515,13 @@
               <a:t>Touch up on the styling of the website.</a:t>
             </a:r>
             <a:br>
-              <a:rPr lang="en-US" sz="1200">
+              <a:rPr lang="en-US" sz="1200" dirty="0">
                 <a:solidFill>
                   <a:schemeClr val="tx1"/>
                 </a:solidFill>
               </a:rPr>
             </a:br>
-            <a:endParaRPr lang="en-US" sz="1200">
+            <a:endParaRPr lang="en-US" sz="1200" dirty="0">
               <a:solidFill>
                 <a:schemeClr val="tx1"/>
               </a:solidFill>
@@ -23161,7 +22543,7 @@
               <a:buChar char=""/>
             </a:pPr>
             <a:r>
-              <a:rPr lang="en-US" sz="1200">
+              <a:rPr lang="en-US" sz="1200" dirty="0">
                 <a:solidFill>
                   <a:schemeClr val="tx1"/>
                 </a:solidFill>
@@ -23169,13 +22551,13 @@
               <a:t>Find a easier way to create bill summaries. </a:t>
             </a:r>
             <a:br>
-              <a:rPr lang="en-US" sz="1200">
+              <a:rPr lang="en-US" sz="1200" dirty="0">
                 <a:solidFill>
                   <a:schemeClr val="tx1"/>
                 </a:solidFill>
               </a:rPr>
             </a:br>
-            <a:endParaRPr lang="en-US" sz="1200">
+            <a:endParaRPr lang="en-US" sz="1200" dirty="0">
               <a:solidFill>
                 <a:schemeClr val="tx1"/>
               </a:solidFill>
@@ -23197,7 +22579,7 @@
               <a:buChar char=""/>
             </a:pPr>
             <a:r>
-              <a:rPr lang="en-US" sz="1200">
+              <a:rPr lang="en-US" sz="1200" dirty="0">
                 <a:solidFill>
                   <a:schemeClr val="tx1"/>
                 </a:solidFill>
@@ -23220,7 +22602,7 @@
               <a:buFont typeface="Wingdings 3" panose="05040102010807070707" pitchFamily="18" charset="2"/>
               <a:buChar char=""/>
             </a:pPr>
-            <a:endParaRPr lang="en-US" sz="1200">
+            <a:endParaRPr lang="en-US" sz="1200" dirty="0">
               <a:solidFill>
                 <a:schemeClr val="tx1"/>
               </a:solidFill>

--- a/documents/UpdatesPres.pptx
+++ b/documents/UpdatesPres.pptx
@@ -8993,11 +8993,7 @@
               <a:buNone/>
             </a:pPr>
             <a:r>
-              <a:rPr lang="en-US" sz="1500" dirty="0">
-                <a:solidFill>
-                  <a:schemeClr val="lt2"/>
-                </a:solidFill>
-              </a:rPr>
+              <a:rPr lang="en-US" sz="1500" dirty="0"/>
               <a:t>By Austin and Adam</a:t>
             </a:r>
           </a:p>
@@ -11383,7 +11379,7 @@
           </a:bodyPr>
           <a:lstStyle/>
           <a:p>
-            <a:pPr marL="0" lvl="0" indent="0" algn="r" defTabSz="457200">
+            <a:pPr marL="0" lvl="0" indent="0" algn="ctr" defTabSz="457200">
               <a:spcBef>
                 <a:spcPct val="0"/>
               </a:spcBef>
@@ -15379,9 +15375,7 @@
             <a:r>
               <a:rPr lang="en-US" sz="1400" dirty="0">
                 <a:solidFill>
-                  <a:schemeClr val="accent2">
-                    <a:lumMod val="50000"/>
-                  </a:schemeClr>
+                  <a:srgbClr val="0070C0"/>
                 </a:solidFill>
                 <a:sym typeface="Times New Roman"/>
               </a:rPr>
@@ -15390,9 +15384,7 @@
             <a:r>
               <a:rPr lang="en-US" sz="1400" dirty="0" err="1">
                 <a:solidFill>
-                  <a:schemeClr val="accent2">
-                    <a:lumMod val="50000"/>
-                  </a:schemeClr>
+                  <a:srgbClr val="0070C0"/>
                 </a:solidFill>
                 <a:sym typeface="Times New Roman"/>
               </a:rPr>
@@ -15400,9 +15392,7 @@
             </a:r>
             <a:endParaRPr lang="en-US" sz="1400" dirty="0">
               <a:solidFill>
-                <a:schemeClr val="accent2">
-                  <a:lumMod val="50000"/>
-                </a:schemeClr>
+                <a:srgbClr val="0070C0"/>
               </a:solidFill>
               <a:sym typeface="Times New Roman"/>
             </a:endParaRPr>
@@ -18109,7 +18099,7 @@
             </a:pPr>
             <a:r>
               <a:rPr lang="en-US" sz="3300" dirty="0"/>
-              <a:t>Frontend progress and upcoming developments</a:t>
+              <a:t>backend progress and upcoming developments</a:t>
             </a:r>
           </a:p>
         </p:txBody>
